--- a/ppt/test.pptx
+++ b/ppt/test.pptx
@@ -188,7 +188,7 @@
           <a:p>
             <a:fld id="{1D8BD707-D9CF-40AE-B4C6-C98DA3205C09}" type="datetimeFigureOut">
               <a:rPr lang="en-US"/>
-              <a:t>4/28/2025</a:t>
+              <a:t>4/29/2025</a:t>
             </a:fld>
             <a:endParaRPr lang="en-US"/>
           </a:p>
@@ -365,7 +365,7 @@
           <a:p>
             <a:fld id="{1D8BD707-D9CF-40AE-B4C6-C98DA3205C09}" type="datetimeFigureOut">
               <a:rPr lang="en-US"/>
-              <a:t>4/28/2025</a:t>
+              <a:t>4/29/2025</a:t>
             </a:fld>
             <a:endParaRPr lang="en-US"/>
           </a:p>
@@ -585,7 +585,7 @@
           <a:p>
             <a:fld id="{1D8BD707-D9CF-40AE-B4C6-C98DA3205C09}" type="datetimeFigureOut">
               <a:rPr lang="en-US"/>
-              <a:t>4/28/2025</a:t>
+              <a:t>4/29/2025</a:t>
             </a:fld>
             <a:endParaRPr lang="en-US"/>
           </a:p>
@@ -733,7 +733,7 @@
           <a:p>
             <a:fld id="{1D8BD707-D9CF-40AE-B4C6-C98DA3205C09}" type="datetimeFigureOut">
               <a:rPr lang="en-US"/>
-              <a:t>4/28/2025</a:t>
+              <a:t>4/29/2025</a:t>
             </a:fld>
             <a:endParaRPr lang="en-US"/>
           </a:p>
@@ -852,7 +852,7 @@
           <a:p>
             <a:fld id="{1D8BD707-D9CF-40AE-B4C6-C98DA3205C09}" type="datetimeFigureOut">
               <a:rPr lang="en-US"/>
-              <a:t>4/28/2025</a:t>
+              <a:t>4/29/2025</a:t>
             </a:fld>
             <a:endParaRPr lang="en-US"/>
           </a:p>
@@ -1099,7 +1099,7 @@
           <a:p>
             <a:fld id="{1D8BD707-D9CF-40AE-B4C6-C98DA3205C09}" type="datetimeFigureOut">
               <a:rPr lang="en-US"/>
-              <a:t>4/28/2025</a:t>
+              <a:t>4/29/2025</a:t>
             </a:fld>
             <a:endParaRPr lang="en-US"/>
           </a:p>
@@ -1339,9 +1339,25 @@
           </a:bodyPr>
           <a:lstStyle/>
           <a:p>
-            <a:r>
+            <a:pPr marL="12700">
+              <a:lnSpc>
+                <a:spcPct val="100000"/>
+              </a:lnSpc>
+              <a:spcBef>
+                <a:spcPts val="100"/>
+              </a:spcBef>
+            </a:pPr>
+            <a:r>
+              <a:rPr sz="5400" spc="-520" dirty="0" err="1">
+                <a:latin typeface="Malgun Gothic"/>
+                <a:cs typeface="Malgun Gothic"/>
+              </a:rPr>
               <a:t>포트폴리오</a:t>
             </a:r>
+            <a:endParaRPr lang="ko-KR" altLang="en-US" sz="2400" spc="-225" dirty="0">
+              <a:latin typeface="Malgun Gothic"/>
+              <a:cs typeface="Malgun Gothic"/>
+            </a:endParaRPr>
           </a:p>
         </p:txBody>
       </p:sp>
@@ -1366,8 +1382,20 @@
           </a:bodyPr>
           <a:lstStyle/>
           <a:p>
-            <a:r>
-              <a:t>('AI 개발자',)</a:t>
+            <a:pPr marL="12700">
+              <a:lnSpc>
+                <a:spcPct val="100000"/>
+              </a:lnSpc>
+              <a:spcBef>
+                <a:spcPts val="105"/>
+              </a:spcBef>
+            </a:pPr>
+            <a:r>
+              <a:rPr lang="en-US" altLang="ko-KR" sz="2400" spc="-225" dirty="0">
+                <a:latin typeface="Malgun Gothic"/>
+                <a:cs typeface="Malgun Gothic"/>
+              </a:rPr>
+              <a:t>AI 개발자</a:t>
             </a:r>
           </a:p>
         </p:txBody>
@@ -1393,9 +1421,19 @@
           </a:bodyPr>
           <a:lstStyle/>
           <a:p>
-            <a:r>
-              <a:t>('권기범',)</a:t>
-            </a:r>
+            <a:pPr marL="12700">
+              <a:spcBef>
+                <a:spcPts val="105"/>
+              </a:spcBef>
+            </a:pPr>
+            <a:r>
+              <a:rPr lang="en-US" altLang="ko-KR" sz="2400" dirty="0" err="1"/>
+              <a:t>권기범</a:t>
+            </a:r>
+            <a:endParaRPr lang="en-US" altLang="ko-KR" sz="2400" spc="-225" dirty="0">
+              <a:latin typeface="Malgun Gothic"/>
+              <a:cs typeface="Malgun Gothic"/>
+            </a:endParaRPr>
           </a:p>
         </p:txBody>
       </p:sp>
@@ -1420,9 +1458,39 @@
           </a:bodyPr>
           <a:lstStyle/>
           <a:p>
-            <a:r>
-              <a:t>('010-2464-5954',)</a:t>
-            </a:r>
+            <a:pPr marL="12700">
+              <a:lnSpc>
+                <a:spcPct val="100000"/>
+              </a:lnSpc>
+              <a:spcBef>
+                <a:spcPts val="105"/>
+              </a:spcBef>
+            </a:pPr>
+            <a:r>
+              <a:rPr lang="en-US" altLang="ko-KR" sz="1400" spc="100" dirty="0">
+                <a:latin typeface="Malgun Gothic"/>
+                <a:cs typeface="Malgun Gothic"/>
+              </a:rPr>
+              <a:t>P.</a:t>
+            </a:r>
+            <a:r>
+              <a:rPr lang="ko-KR" altLang="en-US" sz="1400" spc="100" dirty="0">
+                <a:latin typeface="Malgun Gothic"/>
+                <a:cs typeface="Malgun Gothic"/>
+              </a:rPr>
+              <a:t> </a:t>
+            </a:r>
+            <a:r>
+              <a:rPr lang="en-US" altLang="ko-KR" sz="1400" spc="100" dirty="0" err="1">
+                <a:latin typeface="Malgun Gothic"/>
+                <a:cs typeface="Malgun Gothic"/>
+              </a:rPr>
+              <a:t>010-2464-5954</a:t>
+            </a:r>
+            <a:endParaRPr lang="en-US" altLang="ko-KR" sz="1400" spc="100" dirty="0">
+              <a:latin typeface="Malgun Gothic"/>
+              <a:cs typeface="Malgun Gothic"/>
+            </a:endParaRPr>
           </a:p>
         </p:txBody>
       </p:sp>
@@ -1472,9 +1540,28 @@
           </a:bodyPr>
           <a:lstStyle/>
           <a:p>
-            <a:r>
-              <a:t>포트폴리오</a:t>
-            </a:r>
+            <a:pPr marL="12700">
+              <a:lnSpc>
+                <a:spcPct val="100000"/>
+              </a:lnSpc>
+              <a:spcBef>
+                <a:spcPts val="100"/>
+              </a:spcBef>
+            </a:pPr>
+            <a:r>
+              <a:rPr sz="2400" b="1" spc="65" dirty="0">
+                <a:solidFill>
+                  <a:srgbClr val="DA291C"/>
+                </a:solidFill>
+                <a:latin typeface="Malgun Gothic"/>
+                <a:cs typeface="Malgun Gothic"/>
+              </a:rPr>
+              <a:t>EXPERIENCE</a:t>
+            </a:r>
+            <a:endParaRPr sz="2400" dirty="0">
+              <a:latin typeface="Malgun Gothic"/>
+              <a:cs typeface="Malgun Gothic"/>
+            </a:endParaRPr>
           </a:p>
         </p:txBody>
       </p:sp>
@@ -1486,8 +1573,8 @@
         </p:nvSpPr>
         <p:spPr>
           <a:xfrm>
-            <a:off x="828854" y="3573907"/>
-            <a:ext cx="2139950" cy="228909"/>
+            <a:off x="828853" y="3573907"/>
+            <a:ext cx="4582487" cy="228909"/>
           </a:xfrm>
           <a:prstGeom prst="rect">
             <a:avLst/>
@@ -1499,89 +1586,37 @@
           </a:bodyPr>
           <a:lstStyle/>
           <a:p>
-            <a:r>
-              <a:t>('AI 개발자',)</a:t>
-            </a:r>
-          </a:p>
-        </p:txBody>
-      </p:sp>
-      <p:sp>
-        <p:nvSpPr>
-          <p:cNvPr id="4" name="object 4"/>
-          <p:cNvSpPr txBox="1"/>
-          <p:nvPr/>
-        </p:nvSpPr>
-        <p:spPr>
-          <a:xfrm>
-            <a:off x="828854" y="4020692"/>
-            <a:ext cx="2580005" cy="228268"/>
-          </a:xfrm>
-          <a:prstGeom prst="rect">
-            <a:avLst/>
-          </a:prstGeom>
-        </p:spPr>
-        <p:txBody>
-          <a:bodyPr vert="horz" wrap="square" lIns="0" tIns="12700" rIns="0" bIns="0" rtlCol="0">
-            <a:spAutoFit/>
-          </a:bodyPr>
-          <a:lstStyle/>
-          <a:p>
-            <a:r>
-              <a:t>('권기범',)</a:t>
-            </a:r>
-          </a:p>
-        </p:txBody>
-      </p:sp>
-      <p:sp>
-        <p:nvSpPr>
-          <p:cNvPr id="5" name="object 5"/>
-          <p:cNvSpPr txBox="1"/>
-          <p:nvPr/>
-        </p:nvSpPr>
-        <p:spPr>
-          <a:xfrm>
-            <a:off x="828854" y="4468748"/>
-            <a:ext cx="2286000" cy="228268"/>
-          </a:xfrm>
-          <a:prstGeom prst="rect">
-            <a:avLst/>
-          </a:prstGeom>
-        </p:spPr>
-        <p:txBody>
-          <a:bodyPr vert="horz" wrap="square" lIns="0" tIns="12700" rIns="0" bIns="0" rtlCol="0">
-            <a:spAutoFit/>
-          </a:bodyPr>
-          <a:lstStyle/>
-          <a:p>
-            <a:r>
-              <a:t>('010-2464-5954',)</a:t>
-            </a:r>
-          </a:p>
-        </p:txBody>
-      </p:sp>
-      <p:sp>
-        <p:nvSpPr>
-          <p:cNvPr id="6" name="object 6"/>
-          <p:cNvSpPr txBox="1"/>
-          <p:nvPr/>
-        </p:nvSpPr>
-        <p:spPr>
-          <a:xfrm>
-            <a:off x="828854" y="4915278"/>
-            <a:ext cx="1923414" cy="228268"/>
-          </a:xfrm>
-          <a:prstGeom prst="rect">
-            <a:avLst/>
-          </a:prstGeom>
-        </p:spPr>
-        <p:txBody>
-          <a:bodyPr vert="horz" wrap="square" lIns="0" tIns="12700" rIns="0" bIns="0" rtlCol="0">
-            <a:spAutoFit/>
-          </a:bodyPr>
-          <a:lstStyle/>
-          <a:p>
-            <a:r>
-              <a:t>포트폴리오</a:t>
+            <a:pPr marL="12700">
+              <a:lnSpc>
+                <a:spcPct val="100000"/>
+              </a:lnSpc>
+              <a:spcBef>
+                <a:spcPts val="105"/>
+              </a:spcBef>
+            </a:pPr>
+            <a:endParaRPr lang="en-US" altLang="ko-KR" sz="1400" dirty="0">
+              <a:latin typeface="Malgun Gothic"/>
+              <a:cs typeface="Malgun Gothic"/>
+            </a:endParaRPr>
+          </a:p>
+          <a:p>
+            <a:r>
+              <a:t>탄소 배출 관리 시스템 개발 경험</a:t>
+            </a:r>
+          </a:p>
+          <a:p>
+            <a:r>
+              <a:t>Django 백엔드 구축 및 운영</a:t>
+            </a:r>
+          </a:p>
+          <a:p>
+            <a:r>
+              <a:t>도커 기반 배포 자동화 경험</a:t>
+            </a:r>
+          </a:p>
+          <a:p>
+            <a:r>
+              <a:t>API 설계 및 문서화</a:t>
             </a:r>
           </a:p>
         </p:txBody>
@@ -1746,9 +1781,7 @@
           <a:bodyPr wrap="square" lIns="0" tIns="0" rIns="0" bIns="0" rtlCol="0"/>
           <a:lstStyle/>
           <a:p>
-            <a:r>
-              <a:t>('AI 개발자',)</a:t>
-            </a:r>
+            <a:endParaRPr/>
           </a:p>
         </p:txBody>
       </p:sp>
@@ -1761,7 +1794,7 @@
         <p:spPr>
           <a:xfrm>
             <a:off x="828854" y="1006855"/>
-            <a:ext cx="4682490" cy="299720"/>
+            <a:ext cx="6486346" cy="299720"/>
           </a:xfrm>
           <a:prstGeom prst="rect">
             <a:avLst/>
@@ -1773,9 +1806,39 @@
           </a:bodyPr>
           <a:lstStyle/>
           <a:p>
-            <a:r>
-              <a:t>('권기범',)</a:t>
-            </a:r>
+            <a:pPr marL="12700">
+              <a:lnSpc>
+                <a:spcPct val="100000"/>
+              </a:lnSpc>
+              <a:spcBef>
+                <a:spcPts val="100"/>
+              </a:spcBef>
+            </a:pPr>
+            <a:r>
+              <a:rPr sz="1800" spc="-155" dirty="0">
+                <a:latin typeface="Malgun Gothic"/>
+                <a:cs typeface="Malgun Gothic"/>
+              </a:rPr>
+              <a:t>“</a:t>
+            </a:r>
+            <a:r>
+              <a:rPr lang="en-US" sz="1800" spc="-155" dirty="0" err="1">
+                <a:latin typeface="Malgun Gothic"/>
+                <a:cs typeface="Malgun Gothic"/>
+              </a:rPr>
+              <a:t>환경을 생각하는 데이터 기반 개발자</a:t>
+            </a:r>
+            <a:r>
+              <a:rPr sz="1800" spc="-60" dirty="0">
+                <a:latin typeface="Malgun Gothic"/>
+                <a:cs typeface="Malgun Gothic"/>
+              </a:rPr>
+              <a:t>”</a:t>
+            </a:r>
+            <a:endParaRPr sz="1800" dirty="0">
+              <a:latin typeface="Malgun Gothic"/>
+              <a:cs typeface="Malgun Gothic"/>
+            </a:endParaRPr>
           </a:p>
         </p:txBody>
       </p:sp>
@@ -1804,9 +1867,71 @@
           </a:bodyPr>
           <a:lstStyle/>
           <a:p>
-            <a:r>
-              <a:t>('010-2464-5954',)</a:t>
-            </a:r>
+            <a:pPr marL="12700">
+              <a:lnSpc>
+                <a:spcPct val="100000"/>
+              </a:lnSpc>
+              <a:spcBef>
+                <a:spcPts val="95"/>
+              </a:spcBef>
+            </a:pPr>
+            <a:r>
+              <a:rPr sz="2800" spc="-254" dirty="0" err="1">
+                <a:solidFill>
+                  <a:srgbClr val="000000"/>
+                </a:solidFill>
+              </a:rPr>
+              <a:t>지원자</a:t>
+            </a:r>
+            <a:r>
+              <a:rPr sz="2800" spc="-360" dirty="0">
+                <a:solidFill>
+                  <a:srgbClr val="000000"/>
+                </a:solidFill>
+              </a:rPr>
+              <a:t> </a:t>
+            </a:r>
+            <a:r>
+              <a:rPr lang="en-US" altLang="ko-KR" sz="2800" b="1" u="sng" spc="-254" dirty="0" err="1">
+                <a:solidFill>
+                  <a:srgbClr val="000000"/>
+                </a:solidFill>
+                <a:uFill>
+                  <a:solidFill>
+                    <a:srgbClr val="000000"/>
+                  </a:solidFill>
+                </a:uFill>
+              </a:rPr>
+              <a:t>권기범</a:t>
+            </a:r>
+            <a:r>
+              <a:rPr lang="en-US" altLang="ko-KR" sz="2800" b="1" spc="-385" dirty="0">
+                <a:solidFill>
+                  <a:srgbClr val="000000"/>
+                </a:solidFill>
+              </a:rPr>
+              <a:t> </a:t>
+            </a:r>
+            <a:r>
+              <a:rPr sz="2800" spc="-155" dirty="0" err="1">
+                <a:solidFill>
+                  <a:srgbClr val="000000"/>
+                </a:solidFill>
+              </a:rPr>
+              <a:t>입니다</a:t>
+            </a:r>
+            <a:r>
+              <a:rPr sz="2800" spc="-155" dirty="0">
+                <a:solidFill>
+                  <a:srgbClr val="000000"/>
+                </a:solidFill>
+              </a:rPr>
+              <a:t>.</a:t>
+            </a:r>
+            <a:endParaRPr sz="2800" dirty="0">
+              <a:latin typeface="Malgun Gothic"/>
+              <a:cs typeface="Malgun Gothic"/>
+            </a:endParaRPr>
           </a:p>
         </p:txBody>
       </p:sp>
@@ -1848,9 +1973,7 @@
           <a:bodyPr wrap="square" lIns="0" tIns="0" rIns="0" bIns="0" rtlCol="0"/>
           <a:lstStyle/>
           <a:p>
-            <a:r>
-              <a:t>EXPERIENCE</a:t>
-            </a:r>
+            <a:endParaRPr/>
           </a:p>
         </p:txBody>
       </p:sp>
@@ -1875,9 +1998,28 @@
           </a:bodyPr>
           <a:lstStyle/>
           <a:p>
-            <a:r>
-              <a:t>('이거 해봄',)</a:t>
-            </a:r>
+            <a:pPr marL="12700">
+              <a:lnSpc>
+                <a:spcPct val="100000"/>
+              </a:lnSpc>
+              <a:spcBef>
+                <a:spcPts val="100"/>
+              </a:spcBef>
+            </a:pPr>
+            <a:r>
+              <a:rPr sz="2400" b="1" spc="-10" dirty="0">
+                <a:solidFill>
+                  <a:srgbClr val="DA291C"/>
+                </a:solidFill>
+                <a:latin typeface="Malgun Gothic"/>
+                <a:cs typeface="Malgun Gothic"/>
+              </a:rPr>
+              <a:t>AWARDS</a:t>
+            </a:r>
+            <a:endParaRPr sz="2400">
+              <a:latin typeface="Malgun Gothic"/>
+              <a:cs typeface="Malgun Gothic"/>
+            </a:endParaRPr>
           </a:p>
         </p:txBody>
       </p:sp>
@@ -1889,8 +2031,8 @@
         </p:nvSpPr>
         <p:spPr>
           <a:xfrm>
-            <a:off x="6445377" y="3573907"/>
-            <a:ext cx="1600200" cy="228909"/>
+            <a:off x="6445376" y="3573907"/>
+            <a:ext cx="4451221" cy="228909"/>
           </a:xfrm>
           <a:prstGeom prst="rect">
             <a:avLst/>
@@ -1902,36 +2044,25 @@
           </a:bodyPr>
           <a:lstStyle/>
           <a:p>
-            <a:r>
-              <a:t>('이거 해봄',)</a:t>
-            </a:r>
-          </a:p>
-        </p:txBody>
-      </p:sp>
-      <p:sp>
-        <p:nvSpPr>
-          <p:cNvPr id="15" name="object 15"/>
-          <p:cNvSpPr txBox="1"/>
-          <p:nvPr/>
-        </p:nvSpPr>
-        <p:spPr>
-          <a:xfrm>
-            <a:off x="6445377" y="4020694"/>
-            <a:ext cx="1337945" cy="228268"/>
-          </a:xfrm>
-          <a:prstGeom prst="rect">
-            <a:avLst/>
-          </a:prstGeom>
-        </p:spPr>
-        <p:txBody>
-          <a:bodyPr vert="horz" wrap="square" lIns="0" tIns="12700" rIns="0" bIns="0" rtlCol="0">
-            <a:spAutoFit/>
-          </a:bodyPr>
-          <a:lstStyle/>
-          <a:p>
-            <a:r>
-              <a:t>('이거 해봄',)</a:t>
-            </a:r>
+            <a:pPr marL="12700">
+              <a:lnSpc>
+                <a:spcPct val="100000"/>
+              </a:lnSpc>
+              <a:spcBef>
+                <a:spcPts val="105"/>
+              </a:spcBef>
+            </a:pPr>
+            <a:r>
+              <a:rPr lang="en-US" altLang="ko-KR" sz="1400" spc="-135" dirty="0" err="1">
+                <a:latin typeface="Malgun Gothic"/>
+                <a:cs typeface="Malgun Gothic"/>
+              </a:rPr>
+              <a:t>award_list</a:t>
+            </a:r>
+            <a:endParaRPr lang="en-US" altLang="ko-KR" sz="1400" dirty="0">
+              <a:latin typeface="Malgun Gothic"/>
+              <a:cs typeface="Malgun Gothic"/>
+            </a:endParaRPr>
           </a:p>
         </p:txBody>
       </p:sp>
@@ -1973,9 +2104,7 @@
           <a:bodyPr wrap="square" lIns="0" tIns="0" rIns="0" bIns="0" rtlCol="0"/>
           <a:lstStyle/>
           <a:p>
-            <a:r>
-              <a:t>('이거 해봄',)</a:t>
-            </a:r>
+            <a:endParaRPr/>
           </a:p>
         </p:txBody>
       </p:sp>
@@ -2019,7 +2148,14 @@
         <p:txBody>
           <a:bodyPr rtlCol="0" anchor="ctr"/>
           <a:lstStyle/>
-          <a:p/>
+          <a:p>
+            <a:pPr algn="ctr"/>
+            <a:r>
+              <a:rPr lang="en-US" altLang="ko-KR" dirty="0"/>
+              <a:t>photo</a:t>
+            </a:r>
+            <a:endParaRPr lang="ko-KR" altLang="en-US" dirty="0"/>
+          </a:p>
         </p:txBody>
       </p:sp>
     </p:spTree>
@@ -2068,8 +2204,17 @@
           </a:bodyPr>
           <a:lstStyle/>
           <a:p>
-            <a:r>
-              <a:t>포트폴리오</a:t>
+            <a:pPr marL="12700">
+              <a:lnSpc>
+                <a:spcPct val="100000"/>
+              </a:lnSpc>
+              <a:spcBef>
+                <a:spcPts val="105"/>
+              </a:spcBef>
+            </a:pPr>
+            <a:r>
+              <a:rPr spc="65" dirty="0"/>
+              <a:t>VISION</a:t>
             </a:r>
           </a:p>
         </p:txBody>
@@ -2095,9 +2240,53 @@
           </a:bodyPr>
           <a:lstStyle/>
           <a:p>
-            <a:r>
-              <a:t>('AI 개발자',)</a:t>
-            </a:r>
+            <a:pPr marL="12700">
+              <a:lnSpc>
+                <a:spcPct val="100000"/>
+              </a:lnSpc>
+              <a:spcBef>
+                <a:spcPts val="105"/>
+              </a:spcBef>
+            </a:pPr>
+            <a:r>
+              <a:rPr sz="2000" spc="-180" dirty="0">
+                <a:latin typeface="Malgun Gothic"/>
+                <a:cs typeface="Malgun Gothic"/>
+              </a:rPr>
+              <a:t>앞으로</a:t>
+            </a:r>
+            <a:r>
+              <a:rPr sz="2000" spc="-305" dirty="0">
+                <a:latin typeface="Malgun Gothic"/>
+                <a:cs typeface="Malgun Gothic"/>
+              </a:rPr>
+              <a:t> </a:t>
+            </a:r>
+            <a:r>
+              <a:rPr sz="2000" spc="-180" dirty="0">
+                <a:latin typeface="Malgun Gothic"/>
+                <a:cs typeface="Malgun Gothic"/>
+              </a:rPr>
+              <a:t>나아갈</a:t>
+            </a:r>
+            <a:r>
+              <a:rPr sz="2000" spc="-315" dirty="0">
+                <a:latin typeface="Malgun Gothic"/>
+                <a:cs typeface="Malgun Gothic"/>
+              </a:rPr>
+              <a:t> </a:t>
+            </a:r>
+            <a:r>
+              <a:rPr sz="2000" spc="-50" dirty="0">
+                <a:latin typeface="Malgun Gothic"/>
+                <a:cs typeface="Malgun Gothic"/>
+              </a:rPr>
+              <a:t>길</a:t>
+            </a:r>
+            <a:endParaRPr sz="2000">
+              <a:latin typeface="Malgun Gothic"/>
+              <a:cs typeface="Malgun Gothic"/>
+            </a:endParaRPr>
           </a:p>
         </p:txBody>
       </p:sp>
@@ -2139,9 +2328,7 @@
           <a:bodyPr wrap="square" lIns="0" tIns="0" rIns="0" bIns="0" rtlCol="0"/>
           <a:lstStyle/>
           <a:p>
-            <a:r>
-              <a:t>('권기범',)</a:t>
-            </a:r>
+            <a:endParaRPr/>
           </a:p>
         </p:txBody>
       </p:sp>
@@ -2153,8 +2340,8 @@
         </p:nvSpPr>
         <p:spPr>
           <a:xfrm>
-            <a:off x="3625341" y="3176366"/>
-            <a:ext cx="4936490" cy="505267"/>
+            <a:off x="1096834" y="3176366"/>
+            <a:ext cx="9998330" cy="505267"/>
           </a:xfrm>
           <a:prstGeom prst="rect">
             <a:avLst/>
@@ -2166,9 +2353,39 @@
           </a:bodyPr>
           <a:lstStyle/>
           <a:p>
-            <a:r>
-              <a:t>('010-2464-5954',)</a:t>
-            </a:r>
+            <a:pPr marL="12700" algn="ctr">
+              <a:lnSpc>
+                <a:spcPct val="100000"/>
+              </a:lnSpc>
+              <a:spcBef>
+                <a:spcPts val="100"/>
+              </a:spcBef>
+            </a:pPr>
+            <a:r>
+              <a:rPr sz="3200" spc="-155" dirty="0">
+                <a:latin typeface="Malgun Gothic"/>
+                <a:cs typeface="Malgun Gothic"/>
+              </a:rPr>
+              <a:t>“</a:t>
+            </a:r>
+            <a:r>
+              <a:rPr lang="en-US" sz="3200" spc="-155" dirty="0" err="1">
+                <a:latin typeface="Malgun Gothic"/>
+                <a:cs typeface="Malgun Gothic"/>
+              </a:rPr>
+              <a:t>지속가능한 IT 개발로 친환경 세상을 만들다</a:t>
+            </a:r>
+            <a:r>
+              <a:rPr sz="3200" spc="-120" dirty="0">
+                <a:latin typeface="Malgun Gothic"/>
+                <a:cs typeface="Malgun Gothic"/>
+              </a:rPr>
+              <a:t>”</a:t>
+            </a:r>
+            <a:endParaRPr sz="3200" dirty="0">
+              <a:latin typeface="Malgun Gothic"/>
+              <a:cs typeface="Malgun Gothic"/>
+            </a:endParaRPr>
           </a:p>
         </p:txBody>
       </p:sp>
@@ -2180,8 +2397,8 @@
         </p:nvSpPr>
         <p:spPr>
           <a:xfrm>
-            <a:off x="2597660" y="3875655"/>
-            <a:ext cx="7035165" cy="358431"/>
+            <a:off x="1096834" y="3886200"/>
+            <a:ext cx="9998330" cy="358431"/>
           </a:xfrm>
           <a:prstGeom prst="rect">
             <a:avLst/>
@@ -2193,9 +2410,25 @@
           </a:bodyPr>
           <a:lstStyle/>
           <a:p>
-            <a:r>
-              <a:t>포트폴리오</a:t>
-            </a:r>
+            <a:pPr algn="ctr">
+              <a:lnSpc>
+                <a:spcPct val="100000"/>
+              </a:lnSpc>
+              <a:spcBef>
+                <a:spcPts val="395"/>
+              </a:spcBef>
+            </a:pPr>
+            <a:r>
+              <a:rPr lang="en-US" altLang="ko-KR" sz="2000" spc="-120" dirty="0" err="1">
+                <a:latin typeface="Malgun Gothic"/>
+                <a:cs typeface="Malgun Gothic"/>
+              </a:rPr>
+              <a:t>탄소 배출 관리 프로젝트를 통해 얻은 데이터 처리 및 자동화 역량을 바탕으로, 환경과 사회에 긍정적인 영향을 미치는 지속가능한 소프트웨어 개발에 기여하고자 합니다.</a:t>
+            </a:r>
+            <a:endParaRPr sz="2000" dirty="0">
+              <a:latin typeface="Malgun Gothic"/>
+              <a:cs typeface="Malgun Gothic"/>
+            </a:endParaRPr>
           </a:p>
         </p:txBody>
       </p:sp>
@@ -2245,8 +2478,17 @@
           </a:bodyPr>
           <a:lstStyle/>
           <a:p>
-            <a:r>
-              <a:t>포트폴리오</a:t>
+            <a:pPr marL="12700">
+              <a:lnSpc>
+                <a:spcPct val="100000"/>
+              </a:lnSpc>
+              <a:spcBef>
+                <a:spcPts val="105"/>
+              </a:spcBef>
+            </a:pPr>
+            <a:r>
+              <a:rPr spc="245" dirty="0"/>
+              <a:t>PROJECT</a:t>
             </a:r>
           </a:p>
         </p:txBody>
@@ -2264,7 +2506,7 @@
         <p:spPr>
           <a:xfrm>
             <a:off x="916939" y="1341120"/>
-            <a:ext cx="5029835" cy="2207656"/>
+            <a:ext cx="10354945" cy="1381789"/>
           </a:xfrm>
           <a:prstGeom prst="rect">
             <a:avLst/>
@@ -2276,9 +2518,57 @@
           </a:bodyPr>
           <a:lstStyle/>
           <a:p>
-            <a:r>
-              <a:t>('AI 개발자',)</a:t>
-            </a:r>
+            <a:pPr marL="12700">
+              <a:lnSpc>
+                <a:spcPct val="100000"/>
+              </a:lnSpc>
+              <a:spcBef>
+                <a:spcPts val="1435"/>
+              </a:spcBef>
+            </a:pPr>
+            <a:r>
+              <a:rPr lang="en-US" altLang="ko-KR" dirty="0" err="1"/>
+              <a:t>co2-emission-management</a:t>
+            </a:r>
+            <a:endParaRPr spc="-25" dirty="0"/>
+          </a:p>
+          <a:p>
+            <a:pPr marL="12700">
+              <a:lnSpc>
+                <a:spcPct val="100000"/>
+              </a:lnSpc>
+              <a:spcBef>
+                <a:spcPts val="1060"/>
+              </a:spcBef>
+            </a:pPr>
+            <a:r>
+              <a:rPr sz="1600" spc="-25" dirty="0"/>
+              <a:t>개요</a:t>
+            </a:r>
+            <a:endParaRPr sz="1600" dirty="0"/>
+          </a:p>
+          <a:p>
+            <a:pPr marL="240665" indent="-227965">
+              <a:lnSpc>
+                <a:spcPct val="100000"/>
+              </a:lnSpc>
+              <a:spcBef>
+                <a:spcPts val="2005"/>
+              </a:spcBef>
+              <a:buFont typeface="Arial"/>
+              <a:buChar char="•"/>
+              <a:tabLst>
+                <a:tab pos="240665" algn="l"/>
+              </a:tabLst>
+            </a:pPr>
+            <a:r>
+              <a:rPr lang="en-US" altLang="ko-KR" sz="1600" dirty="0"/>
+              <a:t>탄소 배출량 관리 및 모니터링 시스템</a:t>
+            </a:r>
+            <a:endParaRPr lang="ko-KR" altLang="en-US" sz="1600" dirty="0">
+              <a:latin typeface="Times New Roman"/>
+              <a:cs typeface="Times New Roman"/>
+            </a:endParaRPr>
           </a:p>
         </p:txBody>
       </p:sp>
@@ -2320,9 +2610,7 @@
           <a:bodyPr wrap="square" lIns="0" tIns="0" rIns="0" bIns="0" rtlCol="0"/>
           <a:lstStyle/>
           <a:p>
-            <a:r>
-              <a:t>('권기범',)</a:t>
-            </a:r>
+            <a:endParaRPr/>
           </a:p>
         </p:txBody>
       </p:sp>
@@ -2334,7 +2622,7 @@
         </p:nvSpPr>
         <p:spPr>
           <a:xfrm>
-            <a:off x="6242050" y="3029534"/>
+            <a:off x="6242050" y="3424989"/>
             <a:ext cx="1225550" cy="289823"/>
           </a:xfrm>
           <a:prstGeom prst="rect">
@@ -2347,9 +2635,39 @@
           </a:bodyPr>
           <a:lstStyle/>
           <a:p>
-            <a:r>
-              <a:t>('010-2464-5954',)</a:t>
-            </a:r>
+            <a:pPr marL="12700">
+              <a:lnSpc>
+                <a:spcPct val="100000"/>
+              </a:lnSpc>
+              <a:spcBef>
+                <a:spcPts val="100"/>
+              </a:spcBef>
+            </a:pPr>
+            <a:r>
+              <a:rPr sz="1800" b="1" spc="-140" dirty="0" err="1">
+                <a:latin typeface="Malgun Gothic"/>
+                <a:cs typeface="Malgun Gothic"/>
+              </a:rPr>
+              <a:t>기술</a:t>
+            </a:r>
+            <a:r>
+              <a:rPr lang="en-US" sz="1800" b="1" spc="-140" dirty="0">
+                <a:latin typeface="Malgun Gothic"/>
+                <a:cs typeface="Malgun Gothic"/>
+              </a:rPr>
+              <a:t> </a:t>
+            </a:r>
+            <a:r>
+              <a:rPr sz="1800" b="1" spc="-140" dirty="0" err="1">
+                <a:latin typeface="Malgun Gothic"/>
+                <a:cs typeface="Malgun Gothic"/>
+              </a:rPr>
+              <a:t>스택</a:t>
+            </a:r>
+            <a:endParaRPr sz="1800" dirty="0">
+              <a:latin typeface="Malgun Gothic"/>
+              <a:cs typeface="Malgun Gothic"/>
+            </a:endParaRPr>
           </a:p>
         </p:txBody>
       </p:sp>
@@ -2361,8 +2679,8 @@
         </p:nvSpPr>
         <p:spPr>
           <a:xfrm>
-            <a:off x="6242050" y="3430458"/>
-            <a:ext cx="2773680" cy="638636"/>
+            <a:off x="6242050" y="3825913"/>
+            <a:ext cx="5029834" cy="638636"/>
           </a:xfrm>
           <a:prstGeom prst="rect">
             <a:avLst/>
@@ -2374,8 +2692,173 @@
           </a:bodyPr>
           <a:lstStyle/>
           <a:p>
-            <a:r>
-              <a:t>포트폴리오</a:t>
+            <a:pPr marL="12700">
+              <a:lnSpc>
+                <a:spcPct val="100000"/>
+              </a:lnSpc>
+              <a:spcBef>
+                <a:spcPts val="780"/>
+              </a:spcBef>
+            </a:pPr>
+            <a:endParaRPr sz="1600" dirty="0">
+              <a:latin typeface="Malgun Gothic"/>
+              <a:cs typeface="Malgun Gothic"/>
+            </a:endParaRPr>
+          </a:p>
+          <a:p>
+            <a:r>
+              <a:rPr b="1"/>
+              <a:t>Backend</a:t>
+            </a:r>
+          </a:p>
+          <a:p>
+            <a:pPr lvl="1"/>
+            <a:r>
+              <a:t>Django</a:t>
+            </a:r>
+          </a:p>
+          <a:p>
+            <a:pPr lvl="1"/>
+            <a:r>
+              <a:t>MySQL</a:t>
+            </a:r>
+          </a:p>
+          <a:p>
+            <a:r>
+              <a:t> </a:t>
+            </a:r>
+          </a:p>
+          <a:p>
+            <a:r>
+              <a:rPr b="1"/>
+              <a:t>DevOps</a:t>
+            </a:r>
+          </a:p>
+          <a:p>
+            <a:pPr lvl="1"/>
+            <a:r>
+              <a:t>Docker</a:t>
+            </a:r>
+          </a:p>
+          <a:p>
+            <a:pPr lvl="1"/>
+            <a:r>
+              <a:t>Swagger</a:t>
+            </a:r>
+          </a:p>
+          <a:p>
+            <a:r>
+              <a:t> </a:t>
+            </a:r>
+          </a:p>
+        </p:txBody>
+      </p:sp>
+      <p:sp>
+        <p:nvSpPr>
+          <p:cNvPr id="7" name="object 5">
+            <a:extLst>
+              <a:ext uri="{FF2B5EF4-FFF2-40B4-BE49-F238E27FC236}">
+                <a16:creationId xmlns:a16="http://schemas.microsoft.com/office/drawing/2014/main" id="{3F746019-7C6F-81D4-4BC9-2FFDF26D600C}"/>
+              </a:ext>
+            </a:extLst>
+          </p:cNvPr>
+          <p:cNvSpPr txBox="1"/>
+          <p:nvPr/>
+        </p:nvSpPr>
+        <p:spPr>
+          <a:xfrm>
+            <a:off x="914400" y="3424989"/>
+            <a:ext cx="5029834" cy="289823"/>
+          </a:xfrm>
+          <a:prstGeom prst="rect">
+            <a:avLst/>
+          </a:prstGeom>
+        </p:spPr>
+        <p:txBody>
+          <a:bodyPr vert="horz" wrap="square" lIns="0" tIns="12700" rIns="0" bIns="0" rtlCol="0">
+            <a:spAutoFit/>
+          </a:bodyPr>
+          <a:lstStyle/>
+          <a:p>
+            <a:pPr marL="12700">
+              <a:lnSpc>
+                <a:spcPct val="100000"/>
+              </a:lnSpc>
+              <a:spcBef>
+                <a:spcPts val="100"/>
+              </a:spcBef>
+            </a:pPr>
+            <a:r>
+              <a:rPr lang="ko-KR" altLang="en-US" b="1" spc="-140" dirty="0">
+                <a:latin typeface="Malgun Gothic"/>
+                <a:cs typeface="Malgun Gothic"/>
+              </a:rPr>
+              <a:t>기여 항목</a:t>
+            </a:r>
+            <a:endParaRPr lang="en-US" sz="1800" dirty="0">
+              <a:latin typeface="Malgun Gothic"/>
+              <a:cs typeface="Malgun Gothic"/>
+            </a:endParaRPr>
+          </a:p>
+        </p:txBody>
+      </p:sp>
+      <p:sp>
+        <p:nvSpPr>
+          <p:cNvPr id="8" name="object 6">
+            <a:extLst>
+              <a:ext uri="{FF2B5EF4-FFF2-40B4-BE49-F238E27FC236}">
+                <a16:creationId xmlns:a16="http://schemas.microsoft.com/office/drawing/2014/main" id="{87CE32BF-C5B9-5143-A4BA-B4C7C9B5BCE8}"/>
+              </a:ext>
+            </a:extLst>
+          </p:cNvPr>
+          <p:cNvSpPr txBox="1"/>
+          <p:nvPr/>
+        </p:nvSpPr>
+        <p:spPr>
+          <a:xfrm>
+            <a:off x="914399" y="3825913"/>
+            <a:ext cx="5029835" cy="315471"/>
+          </a:xfrm>
+          <a:prstGeom prst="rect">
+            <a:avLst/>
+          </a:prstGeom>
+        </p:spPr>
+        <p:txBody>
+          <a:bodyPr vert="horz" wrap="square" lIns="0" tIns="99060" rIns="0" bIns="0" rtlCol="0">
+            <a:spAutoFit/>
+          </a:bodyPr>
+          <a:lstStyle/>
+          <a:p>
+            <a:pPr marL="12700">
+              <a:lnSpc>
+                <a:spcPct val="100000"/>
+              </a:lnSpc>
+              <a:spcBef>
+                <a:spcPts val="780"/>
+              </a:spcBef>
+            </a:pPr>
+            <a:endParaRPr lang="en-US" sz="1400" spc="-10" dirty="0">
+              <a:latin typeface="Malgun Gothic"/>
+            </a:endParaRPr>
+          </a:p>
+          <a:p>
+            <a:r>
+              <a:t>Django 서버 개발 및 유지보수</a:t>
+            </a:r>
+          </a:p>
+          <a:p>
+            <a:r>
+              <a:t>Docker 기반 배포 자동화 구성</a:t>
+            </a:r>
+          </a:p>
+          <a:p>
+            <a:r>
+              <a:t>MySQL 데이터베이스 설계 및 관리</a:t>
+            </a:r>
+          </a:p>
+          <a:p>
+            <a:r>
+              <a:t>API 서버 및 Swagger 문서화 작업</a:t>
             </a:r>
           </a:p>
         </p:txBody>
@@ -2426,9 +2909,25 @@
           </a:bodyPr>
           <a:lstStyle/>
           <a:p>
-            <a:r>
-              <a:t>포트폴리오</a:t>
-            </a:r>
+            <a:pPr marL="13970">
+              <a:lnSpc>
+                <a:spcPct val="100000"/>
+              </a:lnSpc>
+              <a:spcBef>
+                <a:spcPts val="105"/>
+              </a:spcBef>
+            </a:pPr>
+            <a:r>
+              <a:rPr sz="5300" b="1" spc="-405" dirty="0">
+                <a:latin typeface="Malgun Gothic"/>
+                <a:cs typeface="Malgun Gothic"/>
+              </a:rPr>
+              <a:t>감사합니다.</a:t>
+            </a:r>
+            <a:endParaRPr sz="5300">
+              <a:latin typeface="Malgun Gothic"/>
+              <a:cs typeface="Malgun Gothic"/>
+            </a:endParaRPr>
           </a:p>
         </p:txBody>
       </p:sp>
@@ -2453,9 +2952,46 @@
           </a:bodyPr>
           <a:lstStyle/>
           <a:p>
-            <a:r>
-              <a:t>('AI 개발자',)</a:t>
-            </a:r>
+            <a:pPr algn="ctr">
+              <a:lnSpc>
+                <a:spcPct val="100000"/>
+              </a:lnSpc>
+              <a:spcBef>
+                <a:spcPts val="100"/>
+              </a:spcBef>
+            </a:pPr>
+            <a:r>
+              <a:rPr lang="en-US" sz="1100" spc="-65" dirty="0">
+                <a:latin typeface="Malgun Gothic"/>
+                <a:cs typeface="Malgun Gothic"/>
+              </a:rPr>
+              <a:t>AI 개발자</a:t>
+            </a:r>
+            <a:endParaRPr sz="1100" dirty="0">
+              <a:latin typeface="Malgun Gothic"/>
+              <a:cs typeface="Malgun Gothic"/>
+            </a:endParaRPr>
+          </a:p>
+          <a:p>
+            <a:pPr algn="ctr">
+              <a:lnSpc>
+                <a:spcPct val="100000"/>
+              </a:lnSpc>
+              <a:spcBef>
+                <a:spcPts val="880"/>
+              </a:spcBef>
+            </a:pPr>
+            <a:r>
+              <a:rPr lang="en-US" sz="1100" spc="-110" dirty="0" err="1">
+                <a:latin typeface="Malgun Gothic"/>
+                <a:cs typeface="Malgun Gothic"/>
+              </a:rPr>
+              <a:t>권기범</a:t>
+            </a:r>
+            <a:endParaRPr sz="1100" dirty="0">
+              <a:latin typeface="Malgun Gothic"/>
+              <a:cs typeface="Malgun Gothic"/>
+            </a:endParaRPr>
           </a:p>
         </p:txBody>
       </p:sp>
